--- a/documents/NhomMETA_QLTiemTraSua_Final.pptx
+++ b/documents/NhomMETA_QLTiemTraSua_Final.pptx
@@ -1179,34 +1179,34 @@
         <a:lstStyle/>
         <a:p>
           <a:r>
-            <a:rPr lang="en-US" sz="3200">
+            <a:rPr lang="en-US" sz="3200" dirty="0">
               <a:latin typeface="Times New Roman" panose="02020603050405020304" pitchFamily="18" charset="0"/>
               <a:cs typeface="Times New Roman" panose="02020603050405020304" pitchFamily="18" charset="0"/>
             </a:rPr>
             <a:t>Demo </a:t>
           </a:r>
           <a:r>
-            <a:rPr lang="en-US" sz="3200" err="1">
+            <a:rPr lang="en-US" sz="3200" dirty="0" err="1">
               <a:latin typeface="Times New Roman" panose="02020603050405020304" pitchFamily="18" charset="0"/>
               <a:cs typeface="Times New Roman" panose="02020603050405020304" pitchFamily="18" charset="0"/>
             </a:rPr>
             <a:t>đề</a:t>
           </a:r>
           <a:r>
-            <a:rPr lang="en-US" sz="3200">
+            <a:rPr lang="en-US" sz="3200" dirty="0">
               <a:latin typeface="Times New Roman" panose="02020603050405020304" pitchFamily="18" charset="0"/>
               <a:cs typeface="Times New Roman" panose="02020603050405020304" pitchFamily="18" charset="0"/>
             </a:rPr>
             <a:t> </a:t>
           </a:r>
           <a:r>
-            <a:rPr lang="en-US" sz="3200" err="1">
+            <a:rPr lang="en-US" sz="3200" dirty="0" err="1">
               <a:latin typeface="Times New Roman" panose="02020603050405020304" pitchFamily="18" charset="0"/>
               <a:cs typeface="Times New Roman" panose="02020603050405020304" pitchFamily="18" charset="0"/>
             </a:rPr>
             <a:t>tài</a:t>
           </a:r>
-          <a:endParaRPr lang="en-US" sz="3200">
+          <a:endParaRPr lang="en-US" sz="3200" dirty="0">
             <a:latin typeface="Times New Roman" panose="02020603050405020304" pitchFamily="18" charset="0"/>
             <a:cs typeface="Times New Roman" panose="02020603050405020304" pitchFamily="18" charset="0"/>
           </a:endParaRPr>
@@ -1243,41 +1243,41 @@
         <a:lstStyle/>
         <a:p>
           <a:r>
-            <a:rPr lang="en-US" sz="3200" err="1">
+            <a:rPr lang="en-US" sz="3200" dirty="0" err="1">
               <a:latin typeface="Times New Roman" panose="02020603050405020304" pitchFamily="18" charset="0"/>
               <a:cs typeface="Times New Roman" panose="02020603050405020304" pitchFamily="18" charset="0"/>
             </a:rPr>
             <a:t>Khó</a:t>
           </a:r>
           <a:r>
-            <a:rPr lang="en-US" sz="3200">
+            <a:rPr lang="en-US" sz="3200" dirty="0">
+              <a:latin typeface="Times New Roman" panose="02020603050405020304" pitchFamily="18" charset="0"/>
+              <a:cs typeface="Times New Roman" panose="02020603050405020304" pitchFamily="18" charset="0"/>
+            </a:rPr>
+            <a:t> khan - </a:t>
+          </a:r>
+          <a:r>
+            <a:rPr lang="en-US" sz="3200" dirty="0" err="1">
+              <a:latin typeface="Times New Roman" panose="02020603050405020304" pitchFamily="18" charset="0"/>
+              <a:cs typeface="Times New Roman" panose="02020603050405020304" pitchFamily="18" charset="0"/>
+            </a:rPr>
+            <a:t>Thuận</a:t>
+          </a:r>
+          <a:r>
+            <a:rPr lang="en-US" sz="3200" dirty="0">
               <a:latin typeface="Times New Roman" panose="02020603050405020304" pitchFamily="18" charset="0"/>
               <a:cs typeface="Times New Roman" panose="02020603050405020304" pitchFamily="18" charset="0"/>
             </a:rPr>
             <a:t> </a:t>
           </a:r>
           <a:r>
-            <a:rPr lang="en-US" sz="3200" err="1">
-              <a:latin typeface="Times New Roman" panose="02020603050405020304" pitchFamily="18" charset="0"/>
-              <a:cs typeface="Times New Roman" panose="02020603050405020304" pitchFamily="18" charset="0"/>
-            </a:rPr>
-            <a:t>khăn-Thuận</a:t>
-          </a:r>
-          <a:r>
-            <a:rPr lang="en-US" sz="3200">
-              <a:latin typeface="Times New Roman" panose="02020603050405020304" pitchFamily="18" charset="0"/>
-              <a:cs typeface="Times New Roman" panose="02020603050405020304" pitchFamily="18" charset="0"/>
-            </a:rPr>
-            <a:t> </a:t>
-          </a:r>
-          <a:r>
-            <a:rPr lang="en-US" sz="3200" err="1">
+            <a:rPr lang="en-US" sz="3200" dirty="0" err="1">
               <a:latin typeface="Times New Roman" panose="02020603050405020304" pitchFamily="18" charset="0"/>
               <a:cs typeface="Times New Roman" panose="02020603050405020304" pitchFamily="18" charset="0"/>
             </a:rPr>
             <a:t>lợi</a:t>
           </a:r>
-          <a:endParaRPr lang="en-US" sz="3200">
+          <a:endParaRPr lang="en-US" sz="3200" dirty="0">
             <a:latin typeface="Times New Roman" panose="02020603050405020304" pitchFamily="18" charset="0"/>
             <a:cs typeface="Times New Roman" panose="02020603050405020304" pitchFamily="18" charset="0"/>
           </a:endParaRPr>
@@ -2040,41 +2040,41 @@
             <a:buNone/>
           </a:pPr>
           <a:r>
-            <a:rPr lang="en-US" sz="3200" kern="1200" err="1">
+            <a:rPr lang="en-US" sz="3200" kern="1200" dirty="0" err="1">
               <a:latin typeface="Times New Roman" panose="02020603050405020304" pitchFamily="18" charset="0"/>
               <a:cs typeface="Times New Roman" panose="02020603050405020304" pitchFamily="18" charset="0"/>
             </a:rPr>
             <a:t>Khó</a:t>
           </a:r>
           <a:r>
-            <a:rPr lang="en-US" sz="3200" kern="1200">
+            <a:rPr lang="en-US" sz="3200" kern="1200" dirty="0">
+              <a:latin typeface="Times New Roman" panose="02020603050405020304" pitchFamily="18" charset="0"/>
+              <a:cs typeface="Times New Roman" panose="02020603050405020304" pitchFamily="18" charset="0"/>
+            </a:rPr>
+            <a:t> khan - </a:t>
+          </a:r>
+          <a:r>
+            <a:rPr lang="en-US" sz="3200" kern="1200" dirty="0" err="1">
+              <a:latin typeface="Times New Roman" panose="02020603050405020304" pitchFamily="18" charset="0"/>
+              <a:cs typeface="Times New Roman" panose="02020603050405020304" pitchFamily="18" charset="0"/>
+            </a:rPr>
+            <a:t>Thuận</a:t>
+          </a:r>
+          <a:r>
+            <a:rPr lang="en-US" sz="3200" kern="1200" dirty="0">
               <a:latin typeface="Times New Roman" panose="02020603050405020304" pitchFamily="18" charset="0"/>
               <a:cs typeface="Times New Roman" panose="02020603050405020304" pitchFamily="18" charset="0"/>
             </a:rPr>
             <a:t> </a:t>
           </a:r>
           <a:r>
-            <a:rPr lang="en-US" sz="3200" kern="1200" err="1">
-              <a:latin typeface="Times New Roman" panose="02020603050405020304" pitchFamily="18" charset="0"/>
-              <a:cs typeface="Times New Roman" panose="02020603050405020304" pitchFamily="18" charset="0"/>
-            </a:rPr>
-            <a:t>khăn-Thuận</a:t>
-          </a:r>
-          <a:r>
-            <a:rPr lang="en-US" sz="3200" kern="1200">
-              <a:latin typeface="Times New Roman" panose="02020603050405020304" pitchFamily="18" charset="0"/>
-              <a:cs typeface="Times New Roman" panose="02020603050405020304" pitchFamily="18" charset="0"/>
-            </a:rPr>
-            <a:t> </a:t>
-          </a:r>
-          <a:r>
-            <a:rPr lang="en-US" sz="3200" kern="1200" err="1">
+            <a:rPr lang="en-US" sz="3200" kern="1200" dirty="0" err="1">
               <a:latin typeface="Times New Roman" panose="02020603050405020304" pitchFamily="18" charset="0"/>
               <a:cs typeface="Times New Roman" panose="02020603050405020304" pitchFamily="18" charset="0"/>
             </a:rPr>
             <a:t>lợi</a:t>
           </a:r>
-          <a:endParaRPr lang="en-US" sz="3200" kern="1200">
+          <a:endParaRPr lang="en-US" sz="3200" kern="1200" dirty="0">
             <a:latin typeface="Times New Roman" panose="02020603050405020304" pitchFamily="18" charset="0"/>
             <a:cs typeface="Times New Roman" panose="02020603050405020304" pitchFamily="18" charset="0"/>
           </a:endParaRPr>
@@ -2245,34 +2245,34 @@
             <a:buNone/>
           </a:pPr>
           <a:r>
-            <a:rPr lang="en-US" sz="3200" kern="1200">
+            <a:rPr lang="en-US" sz="3200" kern="1200" dirty="0">
               <a:latin typeface="Times New Roman" panose="02020603050405020304" pitchFamily="18" charset="0"/>
               <a:cs typeface="Times New Roman" panose="02020603050405020304" pitchFamily="18" charset="0"/>
             </a:rPr>
             <a:t>Demo </a:t>
           </a:r>
           <a:r>
-            <a:rPr lang="en-US" sz="3200" kern="1200" err="1">
+            <a:rPr lang="en-US" sz="3200" kern="1200" dirty="0" err="1">
               <a:latin typeface="Times New Roman" panose="02020603050405020304" pitchFamily="18" charset="0"/>
               <a:cs typeface="Times New Roman" panose="02020603050405020304" pitchFamily="18" charset="0"/>
             </a:rPr>
             <a:t>đề</a:t>
           </a:r>
           <a:r>
-            <a:rPr lang="en-US" sz="3200" kern="1200">
+            <a:rPr lang="en-US" sz="3200" kern="1200" dirty="0">
               <a:latin typeface="Times New Roman" panose="02020603050405020304" pitchFamily="18" charset="0"/>
               <a:cs typeface="Times New Roman" panose="02020603050405020304" pitchFamily="18" charset="0"/>
             </a:rPr>
             <a:t> </a:t>
           </a:r>
           <a:r>
-            <a:rPr lang="en-US" sz="3200" kern="1200" err="1">
+            <a:rPr lang="en-US" sz="3200" kern="1200" dirty="0" err="1">
               <a:latin typeface="Times New Roman" panose="02020603050405020304" pitchFamily="18" charset="0"/>
               <a:cs typeface="Times New Roman" panose="02020603050405020304" pitchFamily="18" charset="0"/>
             </a:rPr>
             <a:t>tài</a:t>
           </a:r>
-          <a:endParaRPr lang="en-US" sz="3200" kern="1200">
+          <a:endParaRPr lang="en-US" sz="3200" kern="1200" dirty="0">
             <a:latin typeface="Times New Roman" panose="02020603050405020304" pitchFamily="18" charset="0"/>
             <a:cs typeface="Times New Roman" panose="02020603050405020304" pitchFamily="18" charset="0"/>
           </a:endParaRPr>
@@ -4839,7 +4839,7 @@
               <a:pPr>
                 <a:defRPr/>
               </a:pPr>
-              <a:t>12/11/2021</a:t>
+              <a:t>12/13/2021</a:t>
             </a:fld>
             <a:endParaRPr lang="en-US"/>
           </a:p>
@@ -12059,7 +12059,7 @@
           <p:nvPr>
             <p:extLst>
               <p:ext uri="{D42A27DB-BD31-4B8C-83A1-F6EECF244321}">
-                <p14:modId xmlns:p14="http://schemas.microsoft.com/office/powerpoint/2010/main" val="3911737842"/>
+                <p14:modId xmlns:p14="http://schemas.microsoft.com/office/powerpoint/2010/main" val="1327586126"/>
               </p:ext>
             </p:extLst>
           </p:nvPr>
@@ -12295,21 +12295,42 @@
               <a:buNone/>
             </a:pPr>
             <a:r>
-              <a:rPr lang="en-US" sz="2800" err="1">
+              <a:rPr lang="en-US" sz="2800" b="1" dirty="0">
                 <a:solidFill>
                   <a:schemeClr val="accent6"/>
                 </a:solidFill>
               </a:rPr>
-              <a:t>Khó</a:t>
-            </a:r>
-            <a:r>
-              <a:rPr lang="en-US" sz="2800">
+              <a:t>- </a:t>
+            </a:r>
+            <a:r>
+              <a:rPr lang="en-US" sz="2800" b="1" dirty="0" err="1">
                 <a:solidFill>
                   <a:schemeClr val="accent6"/>
                 </a:solidFill>
               </a:rPr>
-              <a:t> khăn</a:t>
-            </a:r>
+              <a:t>Khó</a:t>
+            </a:r>
+            <a:r>
+              <a:rPr lang="en-US" sz="2800" b="1" dirty="0">
+                <a:solidFill>
+                  <a:schemeClr val="accent6"/>
+                </a:solidFill>
+              </a:rPr>
+              <a:t> </a:t>
+            </a:r>
+            <a:r>
+              <a:rPr lang="en-US" sz="2800" b="1" dirty="0" err="1">
+                <a:solidFill>
+                  <a:schemeClr val="accent6"/>
+                </a:solidFill>
+              </a:rPr>
+              <a:t>khăn</a:t>
+            </a:r>
+            <a:endParaRPr lang="en-US" sz="2800" b="1" dirty="0">
+              <a:solidFill>
+                <a:schemeClr val="accent6"/>
+              </a:solidFill>
+            </a:endParaRPr>
           </a:p>
           <a:p>
             <a:pPr>
@@ -12317,12 +12338,180 @@
               <a:buAutoNum type="arabicPeriod"/>
             </a:pPr>
             <a:r>
-              <a:rPr lang="en-US" sz="1800">
+              <a:rPr lang="en-US" sz="1800" dirty="0" err="1">
                 <a:solidFill>
                   <a:schemeClr val="accent1"/>
                 </a:solidFill>
               </a:rPr>
-              <a:t>Không có nhiều kinh nghiệm sử dụng git để làm việc nhóm</a:t>
+              <a:t>Không</a:t>
+            </a:r>
+            <a:r>
+              <a:rPr lang="en-US" sz="1800" dirty="0">
+                <a:solidFill>
+                  <a:schemeClr val="accent1"/>
+                </a:solidFill>
+              </a:rPr>
+              <a:t> </a:t>
+            </a:r>
+            <a:r>
+              <a:rPr lang="en-US" sz="1800" dirty="0" err="1">
+                <a:solidFill>
+                  <a:schemeClr val="accent1"/>
+                </a:solidFill>
+              </a:rPr>
+              <a:t>có</a:t>
+            </a:r>
+            <a:r>
+              <a:rPr lang="en-US" sz="1800" dirty="0">
+                <a:solidFill>
+                  <a:schemeClr val="accent1"/>
+                </a:solidFill>
+              </a:rPr>
+              <a:t> </a:t>
+            </a:r>
+            <a:r>
+              <a:rPr lang="en-US" sz="1800" dirty="0" err="1">
+                <a:solidFill>
+                  <a:schemeClr val="accent1"/>
+                </a:solidFill>
+              </a:rPr>
+              <a:t>nhiều</a:t>
+            </a:r>
+            <a:r>
+              <a:rPr lang="en-US" sz="1800" dirty="0">
+                <a:solidFill>
+                  <a:schemeClr val="accent1"/>
+                </a:solidFill>
+              </a:rPr>
+              <a:t> </a:t>
+            </a:r>
+            <a:r>
+              <a:rPr lang="en-US" sz="1800" dirty="0" err="1">
+                <a:solidFill>
+                  <a:schemeClr val="accent1"/>
+                </a:solidFill>
+              </a:rPr>
+              <a:t>kinh</a:t>
+            </a:r>
+            <a:r>
+              <a:rPr lang="en-US" sz="1800" dirty="0">
+                <a:solidFill>
+                  <a:schemeClr val="accent1"/>
+                </a:solidFill>
+              </a:rPr>
+              <a:t> </a:t>
+            </a:r>
+            <a:r>
+              <a:rPr lang="en-US" sz="1800" dirty="0" err="1">
+                <a:solidFill>
+                  <a:schemeClr val="accent1"/>
+                </a:solidFill>
+              </a:rPr>
+              <a:t>nghiệm</a:t>
+            </a:r>
+            <a:r>
+              <a:rPr lang="en-US" sz="1800" dirty="0">
+                <a:solidFill>
+                  <a:schemeClr val="accent1"/>
+                </a:solidFill>
+              </a:rPr>
+              <a:t> </a:t>
+            </a:r>
+            <a:r>
+              <a:rPr lang="en-US" sz="1800" dirty="0" err="1">
+                <a:solidFill>
+                  <a:schemeClr val="accent1"/>
+                </a:solidFill>
+              </a:rPr>
+              <a:t>sử</a:t>
+            </a:r>
+            <a:r>
+              <a:rPr lang="en-US" sz="1800" dirty="0">
+                <a:solidFill>
+                  <a:schemeClr val="accent1"/>
+                </a:solidFill>
+              </a:rPr>
+              <a:t> </a:t>
+            </a:r>
+            <a:r>
+              <a:rPr lang="en-US" sz="1800" dirty="0" err="1">
+                <a:solidFill>
+                  <a:schemeClr val="accent1"/>
+                </a:solidFill>
+              </a:rPr>
+              <a:t>dụng</a:t>
+            </a:r>
+            <a:r>
+              <a:rPr lang="en-US" sz="1800" dirty="0">
+                <a:solidFill>
+                  <a:schemeClr val="accent1"/>
+                </a:solidFill>
+              </a:rPr>
+              <a:t> Git </a:t>
+            </a:r>
+            <a:r>
+              <a:rPr lang="en-US" sz="1800" dirty="0" err="1">
+                <a:solidFill>
+                  <a:schemeClr val="accent1"/>
+                </a:solidFill>
+              </a:rPr>
+              <a:t>để</a:t>
+            </a:r>
+            <a:r>
+              <a:rPr lang="en-US" sz="1800" dirty="0">
+                <a:solidFill>
+                  <a:schemeClr val="accent1"/>
+                </a:solidFill>
+              </a:rPr>
+              <a:t> </a:t>
+            </a:r>
+            <a:r>
+              <a:rPr lang="en-US" sz="1800" dirty="0" err="1">
+                <a:solidFill>
+                  <a:schemeClr val="accent1"/>
+                </a:solidFill>
+              </a:rPr>
+              <a:t>làm</a:t>
+            </a:r>
+            <a:r>
+              <a:rPr lang="en-US" sz="1800" dirty="0">
+                <a:solidFill>
+                  <a:schemeClr val="accent1"/>
+                </a:solidFill>
+              </a:rPr>
+              <a:t> </a:t>
+            </a:r>
+            <a:r>
+              <a:rPr lang="en-US" sz="1800" dirty="0" err="1">
+                <a:solidFill>
+                  <a:schemeClr val="accent1"/>
+                </a:solidFill>
+              </a:rPr>
+              <a:t>việc</a:t>
+            </a:r>
+            <a:r>
+              <a:rPr lang="en-US" sz="1800" dirty="0">
+                <a:solidFill>
+                  <a:schemeClr val="accent1"/>
+                </a:solidFill>
+              </a:rPr>
+              <a:t> </a:t>
+            </a:r>
+            <a:r>
+              <a:rPr lang="en-US" sz="1800" dirty="0" err="1">
+                <a:solidFill>
+                  <a:schemeClr val="accent1"/>
+                </a:solidFill>
+              </a:rPr>
+              <a:t>nhóm</a:t>
+            </a:r>
+            <a:r>
+              <a:rPr lang="en-US" sz="1800" dirty="0">
+                <a:solidFill>
+                  <a:schemeClr val="accent1"/>
+                </a:solidFill>
+              </a:rPr>
+              <a:t>.</a:t>
             </a:r>
           </a:p>
           <a:p>
@@ -12331,12 +12520,100 @@
               <a:buAutoNum type="arabicPeriod"/>
             </a:pPr>
             <a:r>
-              <a:rPr lang="en-US" sz="1800">
+              <a:rPr lang="en-US" sz="1800" dirty="0" err="1">
                 <a:solidFill>
                   <a:schemeClr val="accent1"/>
                 </a:solidFill>
               </a:rPr>
-              <a:t>không hiểu ý nhau</a:t>
+              <a:t>Các</a:t>
+            </a:r>
+            <a:r>
+              <a:rPr lang="en-US" sz="1800" dirty="0">
+                <a:solidFill>
+                  <a:schemeClr val="accent1"/>
+                </a:solidFill>
+              </a:rPr>
+              <a:t> </a:t>
+            </a:r>
+            <a:r>
+              <a:rPr lang="en-US" sz="1800" dirty="0" err="1">
+                <a:solidFill>
+                  <a:schemeClr val="accent1"/>
+                </a:solidFill>
+              </a:rPr>
+              <a:t>thành</a:t>
+            </a:r>
+            <a:r>
+              <a:rPr lang="en-US" sz="1800" dirty="0">
+                <a:solidFill>
+                  <a:schemeClr val="accent1"/>
+                </a:solidFill>
+              </a:rPr>
+              <a:t> </a:t>
+            </a:r>
+            <a:r>
+              <a:rPr lang="en-US" sz="1800" dirty="0" err="1">
+                <a:solidFill>
+                  <a:schemeClr val="accent1"/>
+                </a:solidFill>
+              </a:rPr>
+              <a:t>viên</a:t>
+            </a:r>
+            <a:r>
+              <a:rPr lang="en-US" sz="1800" dirty="0">
+                <a:solidFill>
+                  <a:schemeClr val="accent1"/>
+                </a:solidFill>
+              </a:rPr>
+              <a:t> </a:t>
+            </a:r>
+            <a:r>
+              <a:rPr lang="en-US" sz="1800" dirty="0" err="1">
+                <a:solidFill>
+                  <a:schemeClr val="accent1"/>
+                </a:solidFill>
+              </a:rPr>
+              <a:t>chưa</a:t>
+            </a:r>
+            <a:r>
+              <a:rPr lang="en-US" sz="1800" dirty="0">
+                <a:solidFill>
+                  <a:schemeClr val="accent1"/>
+                </a:solidFill>
+              </a:rPr>
+              <a:t> </a:t>
+            </a:r>
+            <a:r>
+              <a:rPr lang="en-US" sz="1800" dirty="0" err="1">
+                <a:solidFill>
+                  <a:schemeClr val="accent1"/>
+                </a:solidFill>
+              </a:rPr>
+              <a:t>hiểu</a:t>
+            </a:r>
+            <a:r>
+              <a:rPr lang="en-US" sz="1800" dirty="0">
+                <a:solidFill>
+                  <a:schemeClr val="accent1"/>
+                </a:solidFill>
+              </a:rPr>
+              <a:t> ý </a:t>
+            </a:r>
+            <a:r>
+              <a:rPr lang="en-US" sz="1800" dirty="0" err="1">
+                <a:solidFill>
+                  <a:schemeClr val="accent1"/>
+                </a:solidFill>
+              </a:rPr>
+              <a:t>nhau</a:t>
+            </a:r>
+            <a:r>
+              <a:rPr lang="en-US" sz="1800" dirty="0">
+                <a:solidFill>
+                  <a:schemeClr val="accent1"/>
+                </a:solidFill>
+              </a:rPr>
+              <a:t>.</a:t>
             </a:r>
           </a:p>
           <a:p>
@@ -12344,13 +12621,42 @@
               <a:buNone/>
             </a:pPr>
             <a:r>
-              <a:rPr lang="en-US" sz="2800">
+              <a:rPr lang="en-US" sz="2800" b="1" dirty="0">
                 <a:solidFill>
                   <a:schemeClr val="accent3"/>
                 </a:solidFill>
               </a:rPr>
-              <a:t>Thuận lợi</a:t>
-            </a:r>
+              <a:t>- </a:t>
+            </a:r>
+            <a:r>
+              <a:rPr lang="en-US" sz="2800" b="1" dirty="0" err="1">
+                <a:solidFill>
+                  <a:schemeClr val="accent3"/>
+                </a:solidFill>
+              </a:rPr>
+              <a:t>Thuận</a:t>
+            </a:r>
+            <a:r>
+              <a:rPr lang="en-US" sz="2800" b="1" dirty="0">
+                <a:solidFill>
+                  <a:schemeClr val="accent3"/>
+                </a:solidFill>
+              </a:rPr>
+              <a:t> </a:t>
+            </a:r>
+            <a:r>
+              <a:rPr lang="en-US" sz="2800" b="1" dirty="0" err="1">
+                <a:solidFill>
+                  <a:schemeClr val="accent3"/>
+                </a:solidFill>
+              </a:rPr>
+              <a:t>lợi</a:t>
+            </a:r>
+            <a:endParaRPr lang="en-US" sz="2800" b="1" dirty="0">
+              <a:solidFill>
+                <a:schemeClr val="accent3"/>
+              </a:solidFill>
+            </a:endParaRPr>
           </a:p>
           <a:p>
             <a:pPr marL="457200" indent="-457200">
@@ -12358,12 +12664,148 @@
               <a:buAutoNum type="arabicPeriod"/>
             </a:pPr>
             <a:r>
-              <a:rPr lang="en-US" sz="2000">
+              <a:rPr lang="en-US" sz="2000" dirty="0" err="1">
                 <a:solidFill>
                   <a:schemeClr val="accent1"/>
                 </a:solidFill>
               </a:rPr>
-              <a:t>Được hỗ trợ từ giảng viên</a:t>
+              <a:t>Được</a:t>
+            </a:r>
+            <a:r>
+              <a:rPr lang="en-US" sz="2000" dirty="0">
+                <a:solidFill>
+                  <a:schemeClr val="accent1"/>
+                </a:solidFill>
+              </a:rPr>
+              <a:t> </a:t>
+            </a:r>
+            <a:r>
+              <a:rPr lang="en-US" sz="2000" dirty="0" err="1">
+                <a:solidFill>
+                  <a:schemeClr val="accent1"/>
+                </a:solidFill>
+              </a:rPr>
+              <a:t>sự</a:t>
+            </a:r>
+            <a:r>
+              <a:rPr lang="en-US" sz="2000" dirty="0">
+                <a:solidFill>
+                  <a:schemeClr val="accent1"/>
+                </a:solidFill>
+              </a:rPr>
+              <a:t> </a:t>
+            </a:r>
+            <a:r>
+              <a:rPr lang="en-US" sz="2000" dirty="0" err="1">
+                <a:solidFill>
+                  <a:schemeClr val="accent1"/>
+                </a:solidFill>
+              </a:rPr>
+              <a:t>hỗ</a:t>
+            </a:r>
+            <a:r>
+              <a:rPr lang="en-US" sz="2000" dirty="0">
+                <a:solidFill>
+                  <a:schemeClr val="accent1"/>
+                </a:solidFill>
+              </a:rPr>
+              <a:t> </a:t>
+            </a:r>
+            <a:r>
+              <a:rPr lang="en-US" sz="2000" dirty="0" err="1">
+                <a:solidFill>
+                  <a:schemeClr val="accent1"/>
+                </a:solidFill>
+              </a:rPr>
+              <a:t>trợ</a:t>
+            </a:r>
+            <a:r>
+              <a:rPr lang="en-US" sz="2000" dirty="0">
+                <a:solidFill>
+                  <a:schemeClr val="accent1"/>
+                </a:solidFill>
+              </a:rPr>
+              <a:t> </a:t>
+            </a:r>
+            <a:r>
+              <a:rPr lang="en-US" sz="2000" dirty="0" err="1">
+                <a:solidFill>
+                  <a:schemeClr val="accent1"/>
+                </a:solidFill>
+              </a:rPr>
+              <a:t>nhiệt</a:t>
+            </a:r>
+            <a:r>
+              <a:rPr lang="en-US" sz="2000" dirty="0">
+                <a:solidFill>
+                  <a:schemeClr val="accent1"/>
+                </a:solidFill>
+              </a:rPr>
+              <a:t> </a:t>
+            </a:r>
+            <a:r>
+              <a:rPr lang="en-US" sz="2000" dirty="0" err="1">
+                <a:solidFill>
+                  <a:schemeClr val="accent1"/>
+                </a:solidFill>
+              </a:rPr>
+              <a:t>tình</a:t>
+            </a:r>
+            <a:r>
+              <a:rPr lang="en-US" sz="2000" dirty="0">
+                <a:solidFill>
+                  <a:schemeClr val="accent1"/>
+                </a:solidFill>
+              </a:rPr>
+              <a:t> </a:t>
+            </a:r>
+            <a:r>
+              <a:rPr lang="en-US" sz="2000" dirty="0" err="1">
+                <a:solidFill>
+                  <a:schemeClr val="accent1"/>
+                </a:solidFill>
+              </a:rPr>
+              <a:t>từ</a:t>
+            </a:r>
+            <a:r>
+              <a:rPr lang="en-US" sz="2000" dirty="0">
+                <a:solidFill>
+                  <a:schemeClr val="accent1"/>
+                </a:solidFill>
+              </a:rPr>
+              <a:t> </a:t>
+            </a:r>
+            <a:r>
+              <a:rPr lang="en-US" sz="2000" dirty="0" err="1">
+                <a:solidFill>
+                  <a:schemeClr val="accent1"/>
+                </a:solidFill>
+              </a:rPr>
+              <a:t>giảng</a:t>
+            </a:r>
+            <a:r>
+              <a:rPr lang="en-US" sz="2000" dirty="0">
+                <a:solidFill>
+                  <a:schemeClr val="accent1"/>
+                </a:solidFill>
+              </a:rPr>
+              <a:t> </a:t>
+            </a:r>
+            <a:r>
+              <a:rPr lang="en-US" sz="2000" dirty="0" err="1">
+                <a:solidFill>
+                  <a:schemeClr val="accent1"/>
+                </a:solidFill>
+              </a:rPr>
+              <a:t>viên</a:t>
+            </a:r>
+            <a:r>
+              <a:rPr lang="en-US" sz="2000" dirty="0">
+                <a:solidFill>
+                  <a:schemeClr val="accent1"/>
+                </a:solidFill>
+              </a:rPr>
+              <a:t>.</a:t>
             </a:r>
           </a:p>
           <a:p>
@@ -12372,14 +12814,182 @@
               <a:buAutoNum type="arabicPeriod"/>
             </a:pPr>
             <a:r>
-              <a:rPr lang="en-US" sz="2000">
+              <a:rPr lang="en-US" sz="2000" dirty="0" err="1">
                 <a:solidFill>
                   <a:schemeClr val="accent1"/>
                 </a:solidFill>
               </a:rPr>
-              <a:t>Có nhiều tài liệu tham khảo và thư viện hỗ trợ</a:t>
-            </a:r>
-            <a:endParaRPr lang="en-US" sz="2000">
+              <a:t>Có</a:t>
+            </a:r>
+            <a:r>
+              <a:rPr lang="en-US" sz="2000" dirty="0">
+                <a:solidFill>
+                  <a:schemeClr val="accent1"/>
+                </a:solidFill>
+              </a:rPr>
+              <a:t> </a:t>
+            </a:r>
+            <a:r>
+              <a:rPr lang="en-US" sz="2000" dirty="0" err="1">
+                <a:solidFill>
+                  <a:schemeClr val="accent1"/>
+                </a:solidFill>
+              </a:rPr>
+              <a:t>nhiều</a:t>
+            </a:r>
+            <a:r>
+              <a:rPr lang="en-US" sz="2000" dirty="0">
+                <a:solidFill>
+                  <a:schemeClr val="accent1"/>
+                </a:solidFill>
+              </a:rPr>
+              <a:t> </a:t>
+            </a:r>
+            <a:r>
+              <a:rPr lang="en-US" sz="2000" dirty="0" err="1">
+                <a:solidFill>
+                  <a:schemeClr val="accent1"/>
+                </a:solidFill>
+              </a:rPr>
+              <a:t>tài</a:t>
+            </a:r>
+            <a:r>
+              <a:rPr lang="en-US" sz="2000" dirty="0">
+                <a:solidFill>
+                  <a:schemeClr val="accent1"/>
+                </a:solidFill>
+              </a:rPr>
+              <a:t> </a:t>
+            </a:r>
+            <a:r>
+              <a:rPr lang="en-US" sz="2000" dirty="0" err="1">
+                <a:solidFill>
+                  <a:schemeClr val="accent1"/>
+                </a:solidFill>
+              </a:rPr>
+              <a:t>liệu</a:t>
+            </a:r>
+            <a:r>
+              <a:rPr lang="en-US" sz="2000" dirty="0">
+                <a:solidFill>
+                  <a:schemeClr val="accent1"/>
+                </a:solidFill>
+              </a:rPr>
+              <a:t> </a:t>
+            </a:r>
+            <a:r>
+              <a:rPr lang="en-US" sz="2000" dirty="0" err="1">
+                <a:solidFill>
+                  <a:schemeClr val="accent1"/>
+                </a:solidFill>
+              </a:rPr>
+              <a:t>tham</a:t>
+            </a:r>
+            <a:r>
+              <a:rPr lang="en-US" sz="2000" dirty="0">
+                <a:solidFill>
+                  <a:schemeClr val="accent1"/>
+                </a:solidFill>
+              </a:rPr>
+              <a:t> </a:t>
+            </a:r>
+            <a:r>
+              <a:rPr lang="en-US" sz="2000" dirty="0" err="1">
+                <a:solidFill>
+                  <a:schemeClr val="accent1"/>
+                </a:solidFill>
+              </a:rPr>
+              <a:t>khảo</a:t>
+            </a:r>
+            <a:r>
+              <a:rPr lang="en-US" sz="2000" dirty="0">
+                <a:solidFill>
+                  <a:schemeClr val="accent1"/>
+                </a:solidFill>
+              </a:rPr>
+              <a:t> </a:t>
+            </a:r>
+            <a:r>
+              <a:rPr lang="en-US" sz="2000" dirty="0" err="1">
+                <a:solidFill>
+                  <a:schemeClr val="accent1"/>
+                </a:solidFill>
+              </a:rPr>
+              <a:t>và</a:t>
+            </a:r>
+            <a:r>
+              <a:rPr lang="en-US" sz="2000" dirty="0">
+                <a:solidFill>
+                  <a:schemeClr val="accent1"/>
+                </a:solidFill>
+              </a:rPr>
+              <a:t> </a:t>
+            </a:r>
+            <a:r>
+              <a:rPr lang="en-US" sz="2000" dirty="0" err="1">
+                <a:solidFill>
+                  <a:schemeClr val="accent1"/>
+                </a:solidFill>
+              </a:rPr>
+              <a:t>thư</a:t>
+            </a:r>
+            <a:r>
+              <a:rPr lang="en-US" sz="2000" dirty="0">
+                <a:solidFill>
+                  <a:schemeClr val="accent1"/>
+                </a:solidFill>
+              </a:rPr>
+              <a:t> </a:t>
+            </a:r>
+            <a:r>
+              <a:rPr lang="en-US" sz="2000" dirty="0" err="1">
+                <a:solidFill>
+                  <a:schemeClr val="accent1"/>
+                </a:solidFill>
+              </a:rPr>
+              <a:t>viện</a:t>
+            </a:r>
+            <a:r>
+              <a:rPr lang="en-US" sz="2000" dirty="0">
+                <a:solidFill>
+                  <a:schemeClr val="accent1"/>
+                </a:solidFill>
+              </a:rPr>
+              <a:t> </a:t>
+            </a:r>
+            <a:r>
+              <a:rPr lang="en-US" sz="2000" dirty="0" err="1">
+                <a:solidFill>
+                  <a:schemeClr val="accent1"/>
+                </a:solidFill>
+              </a:rPr>
+              <a:t>hỗ</a:t>
+            </a:r>
+            <a:r>
+              <a:rPr lang="en-US" sz="2000" dirty="0">
+                <a:solidFill>
+                  <a:schemeClr val="accent1"/>
+                </a:solidFill>
+              </a:rPr>
+              <a:t> </a:t>
+            </a:r>
+            <a:r>
+              <a:rPr lang="en-US" sz="2000" dirty="0" err="1">
+                <a:solidFill>
+                  <a:schemeClr val="accent1"/>
+                </a:solidFill>
+              </a:rPr>
+              <a:t>trợ</a:t>
+            </a:r>
+            <a:r>
+              <a:rPr lang="en-US" sz="2000" dirty="0">
+                <a:solidFill>
+                  <a:schemeClr val="accent1"/>
+                </a:solidFill>
+              </a:rPr>
+              <a:t>.</a:t>
+            </a:r>
+            <a:endParaRPr lang="en-US" sz="2000" dirty="0">
               <a:solidFill>
                 <a:schemeClr val="accent3"/>
               </a:solidFill>
@@ -12387,7 +12997,7 @@
           </a:p>
           <a:p>
             <a:pPr lvl="1"/>
-            <a:endParaRPr lang="en-US" sz="2400"/>
+            <a:endParaRPr lang="en-US" sz="2400" dirty="0"/>
           </a:p>
         </p:txBody>
       </p:sp>
